--- a/Maps/maps.pptx
+++ b/Maps/maps.pptx
@@ -12,6 +12,7 @@
     <p:sldId id="260" r:id="rId6"/>
     <p:sldId id="261" r:id="rId7"/>
     <p:sldId id="262" r:id="rId8"/>
+    <p:sldId id="263" r:id="rId9"/>
   </p:sldIdLst>
   <p:sldSz cx="10001250" cy="4953000"/>
   <p:notesSz cx="6858000" cy="9144000"/>
@@ -260,7 +261,7 @@
           <a:p>
             <a:fld id="{3261AC63-37E1-43B9-B646-5725F25C0ED9}" type="datetimeFigureOut">
               <a:rPr lang="pt-BR" smtClean="0"/>
-              <a:t>24/11/2021</a:t>
+              <a:t>25/11/2021</a:t>
             </a:fld>
             <a:endParaRPr lang="pt-BR"/>
           </a:p>
@@ -430,7 +431,7 @@
           <a:p>
             <a:fld id="{3261AC63-37E1-43B9-B646-5725F25C0ED9}" type="datetimeFigureOut">
               <a:rPr lang="pt-BR" smtClean="0"/>
-              <a:t>24/11/2021</a:t>
+              <a:t>25/11/2021</a:t>
             </a:fld>
             <a:endParaRPr lang="pt-BR"/>
           </a:p>
@@ -610,7 +611,7 @@
           <a:p>
             <a:fld id="{3261AC63-37E1-43B9-B646-5725F25C0ED9}" type="datetimeFigureOut">
               <a:rPr lang="pt-BR" smtClean="0"/>
-              <a:t>24/11/2021</a:t>
+              <a:t>25/11/2021</a:t>
             </a:fld>
             <a:endParaRPr lang="pt-BR"/>
           </a:p>
@@ -780,7 +781,7 @@
           <a:p>
             <a:fld id="{3261AC63-37E1-43B9-B646-5725F25C0ED9}" type="datetimeFigureOut">
               <a:rPr lang="pt-BR" smtClean="0"/>
-              <a:t>24/11/2021</a:t>
+              <a:t>25/11/2021</a:t>
             </a:fld>
             <a:endParaRPr lang="pt-BR"/>
           </a:p>
@@ -1026,7 +1027,7 @@
           <a:p>
             <a:fld id="{3261AC63-37E1-43B9-B646-5725F25C0ED9}" type="datetimeFigureOut">
               <a:rPr lang="pt-BR" smtClean="0"/>
-              <a:t>24/11/2021</a:t>
+              <a:t>25/11/2021</a:t>
             </a:fld>
             <a:endParaRPr lang="pt-BR"/>
           </a:p>
@@ -1258,7 +1259,7 @@
           <a:p>
             <a:fld id="{3261AC63-37E1-43B9-B646-5725F25C0ED9}" type="datetimeFigureOut">
               <a:rPr lang="pt-BR" smtClean="0"/>
-              <a:t>24/11/2021</a:t>
+              <a:t>25/11/2021</a:t>
             </a:fld>
             <a:endParaRPr lang="pt-BR"/>
           </a:p>
@@ -1625,7 +1626,7 @@
           <a:p>
             <a:fld id="{3261AC63-37E1-43B9-B646-5725F25C0ED9}" type="datetimeFigureOut">
               <a:rPr lang="pt-BR" smtClean="0"/>
-              <a:t>24/11/2021</a:t>
+              <a:t>25/11/2021</a:t>
             </a:fld>
             <a:endParaRPr lang="pt-BR"/>
           </a:p>
@@ -1743,7 +1744,7 @@
           <a:p>
             <a:fld id="{3261AC63-37E1-43B9-B646-5725F25C0ED9}" type="datetimeFigureOut">
               <a:rPr lang="pt-BR" smtClean="0"/>
-              <a:t>24/11/2021</a:t>
+              <a:t>25/11/2021</a:t>
             </a:fld>
             <a:endParaRPr lang="pt-BR"/>
           </a:p>
@@ -1838,7 +1839,7 @@
           <a:p>
             <a:fld id="{3261AC63-37E1-43B9-B646-5725F25C0ED9}" type="datetimeFigureOut">
               <a:rPr lang="pt-BR" smtClean="0"/>
-              <a:t>24/11/2021</a:t>
+              <a:t>25/11/2021</a:t>
             </a:fld>
             <a:endParaRPr lang="pt-BR"/>
           </a:p>
@@ -2115,7 +2116,7 @@
           <a:p>
             <a:fld id="{3261AC63-37E1-43B9-B646-5725F25C0ED9}" type="datetimeFigureOut">
               <a:rPr lang="pt-BR" smtClean="0"/>
-              <a:t>24/11/2021</a:t>
+              <a:t>25/11/2021</a:t>
             </a:fld>
             <a:endParaRPr lang="pt-BR"/>
           </a:p>
@@ -2372,7 +2373,7 @@
           <a:p>
             <a:fld id="{3261AC63-37E1-43B9-B646-5725F25C0ED9}" type="datetimeFigureOut">
               <a:rPr lang="pt-BR" smtClean="0"/>
-              <a:t>24/11/2021</a:t>
+              <a:t>25/11/2021</a:t>
             </a:fld>
             <a:endParaRPr lang="pt-BR"/>
           </a:p>
@@ -2585,7 +2586,7 @@
           <a:p>
             <a:fld id="{3261AC63-37E1-43B9-B646-5725F25C0ED9}" type="datetimeFigureOut">
               <a:rPr lang="pt-BR" smtClean="0"/>
-              <a:t>24/11/2021</a:t>
+              <a:t>25/11/2021</a:t>
             </a:fld>
             <a:endParaRPr lang="pt-BR"/>
           </a:p>
@@ -3462,6 +3463,66 @@
 </p:sld>
 </file>
 
+<file path=ppt/slides/slide8.xml><?xml version="1.0" encoding="utf-8"?>
+<p:sld xmlns:a="http://schemas.openxmlformats.org/drawingml/2006/main" xmlns:r="http://schemas.openxmlformats.org/officeDocument/2006/relationships" xmlns:p="http://schemas.openxmlformats.org/presentationml/2006/main">
+  <p:cSld>
+    <p:spTree>
+      <p:nvGrpSpPr>
+        <p:cNvPr id="1" name=""/>
+        <p:cNvGrpSpPr/>
+        <p:nvPr/>
+      </p:nvGrpSpPr>
+      <p:grpSpPr>
+        <a:xfrm>
+          <a:off x="0" y="0"/>
+          <a:ext cx="0" cy="0"/>
+          <a:chOff x="0" y="0"/>
+          <a:chExt cx="0" cy="0"/>
+        </a:xfrm>
+      </p:grpSpPr>
+      <p:pic>
+        <p:nvPicPr>
+          <p:cNvPr id="5" name="Imagem 4">
+            <a:extLst>
+              <a:ext uri="{FF2B5EF4-FFF2-40B4-BE49-F238E27FC236}">
+                <a16:creationId xmlns:a16="http://schemas.microsoft.com/office/drawing/2014/main" id="{9908E990-6717-4681-A920-AD9480AD1F68}"/>
+              </a:ext>
+            </a:extLst>
+          </p:cNvPr>
+          <p:cNvPicPr>
+            <a:picLocks noChangeAspect="1"/>
+          </p:cNvPicPr>
+          <p:nvPr/>
+        </p:nvPicPr>
+        <p:blipFill>
+          <a:blip r:embed="rId2"/>
+          <a:stretch>
+            <a:fillRect/>
+          </a:stretch>
+        </p:blipFill>
+        <p:spPr>
+          <a:xfrm>
+            <a:off x="0" y="1927028"/>
+            <a:ext cx="10001250" cy="1098944"/>
+          </a:xfrm>
+          <a:prstGeom prst="rect">
+            <a:avLst/>
+          </a:prstGeom>
+        </p:spPr>
+      </p:pic>
+    </p:spTree>
+    <p:extLst>
+      <p:ext uri="{BB962C8B-B14F-4D97-AF65-F5344CB8AC3E}">
+        <p14:creationId xmlns:p14="http://schemas.microsoft.com/office/powerpoint/2010/main" val="2861090355"/>
+      </p:ext>
+    </p:extLst>
+  </p:cSld>
+  <p:clrMapOvr>
+    <a:masterClrMapping/>
+  </p:clrMapOvr>
+</p:sld>
+</file>
+
 <file path=ppt/theme/theme1.xml><?xml version="1.0" encoding="utf-8"?>
 <a:theme xmlns:a="http://schemas.openxmlformats.org/drawingml/2006/main" name="Tema do Office">
   <a:themeElements>

--- a/Maps/maps.pptx
+++ b/Maps/maps.pptx
@@ -6,13 +6,14 @@
   </p:sldMasterIdLst>
   <p:sldIdLst>
     <p:sldId id="256" r:id="rId2"/>
-    <p:sldId id="257" r:id="rId3"/>
-    <p:sldId id="258" r:id="rId4"/>
-    <p:sldId id="259" r:id="rId5"/>
-    <p:sldId id="260" r:id="rId6"/>
-    <p:sldId id="261" r:id="rId7"/>
-    <p:sldId id="262" r:id="rId8"/>
-    <p:sldId id="263" r:id="rId9"/>
+    <p:sldId id="264" r:id="rId3"/>
+    <p:sldId id="257" r:id="rId4"/>
+    <p:sldId id="258" r:id="rId5"/>
+    <p:sldId id="259" r:id="rId6"/>
+    <p:sldId id="260" r:id="rId7"/>
+    <p:sldId id="261" r:id="rId8"/>
+    <p:sldId id="262" r:id="rId9"/>
+    <p:sldId id="263" r:id="rId10"/>
   </p:sldIdLst>
   <p:sldSz cx="10001250" cy="4953000"/>
   <p:notesSz cx="6858000" cy="9144000"/>
@@ -3079,6 +3080,92 @@
       </p:grpSpPr>
       <p:pic>
         <p:nvPicPr>
+          <p:cNvPr id="1026" name="Picture 2" descr="Quadros Decorativo Mapa Mundi Pergaminho - Decoreiro">
+            <a:extLst>
+              <a:ext uri="{FF2B5EF4-FFF2-40B4-BE49-F238E27FC236}">
+                <a16:creationId xmlns:a16="http://schemas.microsoft.com/office/drawing/2014/main" id="{BDB4AE1C-0472-42B7-9D64-063726F6D27C}"/>
+              </a:ext>
+            </a:extLst>
+          </p:cNvPr>
+          <p:cNvPicPr>
+            <a:picLocks noChangeAspect="1" noChangeArrowheads="1"/>
+          </p:cNvPicPr>
+          <p:nvPr/>
+        </p:nvPicPr>
+        <p:blipFill>
+          <a:blip r:embed="rId2">
+            <a:extLst>
+              <a:ext uri="{BEBA8EAE-BF5A-486C-A8C5-ECC9F3942E4B}">
+                <a14:imgProps xmlns:a14="http://schemas.microsoft.com/office/drawing/2010/main">
+                  <a14:imgLayer r:embed="rId3">
+                    <a14:imgEffect>
+                      <a14:artisticCement/>
+                    </a14:imgEffect>
+                  </a14:imgLayer>
+                </a14:imgProps>
+              </a:ext>
+              <a:ext uri="{28A0092B-C50C-407E-A947-70E740481C1C}">
+                <a14:useLocalDpi xmlns:a14="http://schemas.microsoft.com/office/drawing/2010/main" val="0"/>
+              </a:ext>
+            </a:extLst>
+          </a:blip>
+          <a:srcRect/>
+          <a:stretch>
+            <a:fillRect/>
+          </a:stretch>
+        </p:blipFill>
+        <p:spPr bwMode="auto">
+          <a:xfrm>
+            <a:off x="0" y="0"/>
+            <a:ext cx="10001250" cy="4953000"/>
+          </a:xfrm>
+          <a:prstGeom prst="rect">
+            <a:avLst/>
+          </a:prstGeom>
+          <a:noFill/>
+          <a:extLst>
+            <a:ext uri="{909E8E84-426E-40DD-AFC4-6F175D3DCCD1}">
+              <a14:hiddenFill xmlns:a14="http://schemas.microsoft.com/office/drawing/2010/main">
+                <a:solidFill>
+                  <a:srgbClr val="FFFFFF"/>
+                </a:solidFill>
+              </a14:hiddenFill>
+            </a:ext>
+          </a:extLst>
+        </p:spPr>
+      </p:pic>
+    </p:spTree>
+    <p:extLst>
+      <p:ext uri="{BB962C8B-B14F-4D97-AF65-F5344CB8AC3E}">
+        <p14:creationId xmlns:p14="http://schemas.microsoft.com/office/powerpoint/2010/main" val="3663801441"/>
+      </p:ext>
+    </p:extLst>
+  </p:cSld>
+  <p:clrMapOvr>
+    <a:masterClrMapping/>
+  </p:clrMapOvr>
+</p:sld>
+</file>
+
+<file path=ppt/slides/slide3.xml><?xml version="1.0" encoding="utf-8"?>
+<p:sld xmlns:a="http://schemas.openxmlformats.org/drawingml/2006/main" xmlns:r="http://schemas.openxmlformats.org/officeDocument/2006/relationships" xmlns:p="http://schemas.openxmlformats.org/presentationml/2006/main">
+  <p:cSld>
+    <p:spTree>
+      <p:nvGrpSpPr>
+        <p:cNvPr id="1" name=""/>
+        <p:cNvGrpSpPr/>
+        <p:nvPr/>
+      </p:nvGrpSpPr>
+      <p:grpSpPr>
+        <a:xfrm>
+          <a:off x="0" y="0"/>
+          <a:ext cx="0" cy="0"/>
+          <a:chOff x="0" y="0"/>
+          <a:chExt cx="0" cy="0"/>
+        </a:xfrm>
+      </p:grpSpPr>
+      <p:pic>
+        <p:nvPicPr>
           <p:cNvPr id="2050" name="Picture 2" descr="Mapa-múndi: continentes, países, mares, oceanos - Brasil Escola">
             <a:extLst>
               <a:ext uri="{FF2B5EF4-FFF2-40B4-BE49-F238E27FC236}">
@@ -3146,7 +3233,7 @@
 </p:sld>
 </file>
 
-<file path=ppt/slides/slide3.xml><?xml version="1.0" encoding="utf-8"?>
+<file path=ppt/slides/slide4.xml><?xml version="1.0" encoding="utf-8"?>
 <p:sld xmlns:a="http://schemas.openxmlformats.org/drawingml/2006/main" xmlns:r="http://schemas.openxmlformats.org/officeDocument/2006/relationships" xmlns:p="http://schemas.openxmlformats.org/presentationml/2006/main">
   <p:cSld>
     <p:spTree>
@@ -3206,7 +3293,7 @@
 </p:sld>
 </file>
 
-<file path=ppt/slides/slide4.xml><?xml version="1.0" encoding="utf-8"?>
+<file path=ppt/slides/slide5.xml><?xml version="1.0" encoding="utf-8"?>
 <p:sld xmlns:a="http://schemas.openxmlformats.org/drawingml/2006/main" xmlns:r="http://schemas.openxmlformats.org/officeDocument/2006/relationships" xmlns:p="http://schemas.openxmlformats.org/presentationml/2006/main">
   <p:cSld>
     <p:spTree>
@@ -3266,7 +3353,7 @@
 </p:sld>
 </file>
 
-<file path=ppt/slides/slide5.xml><?xml version="1.0" encoding="utf-8"?>
+<file path=ppt/slides/slide6.xml><?xml version="1.0" encoding="utf-8"?>
 <p:sld xmlns:a="http://schemas.openxmlformats.org/drawingml/2006/main" xmlns:r="http://schemas.openxmlformats.org/officeDocument/2006/relationships" xmlns:p="http://schemas.openxmlformats.org/presentationml/2006/main">
   <p:cSld>
     <p:spTree>
@@ -3326,7 +3413,7 @@
 </p:sld>
 </file>
 
-<file path=ppt/slides/slide6.xml><?xml version="1.0" encoding="utf-8"?>
+<file path=ppt/slides/slide7.xml><?xml version="1.0" encoding="utf-8"?>
 <p:sld xmlns:a="http://schemas.openxmlformats.org/drawingml/2006/main" xmlns:r="http://schemas.openxmlformats.org/officeDocument/2006/relationships" xmlns:p="http://schemas.openxmlformats.org/presentationml/2006/main">
   <p:cSld>
     <p:spTree>
@@ -3386,7 +3473,7 @@
 </p:sld>
 </file>
 
-<file path=ppt/slides/slide7.xml><?xml version="1.0" encoding="utf-8"?>
+<file path=ppt/slides/slide8.xml><?xml version="1.0" encoding="utf-8"?>
 <p:sld xmlns:a="http://schemas.openxmlformats.org/drawingml/2006/main" xmlns:r="http://schemas.openxmlformats.org/officeDocument/2006/relationships" xmlns:p="http://schemas.openxmlformats.org/presentationml/2006/main">
   <p:cSld>
     <p:spTree>
@@ -3463,7 +3550,7 @@
 </p:sld>
 </file>
 
-<file path=ppt/slides/slide8.xml><?xml version="1.0" encoding="utf-8"?>
+<file path=ppt/slides/slide9.xml><?xml version="1.0" encoding="utf-8"?>
 <p:sld xmlns:a="http://schemas.openxmlformats.org/drawingml/2006/main" xmlns:r="http://schemas.openxmlformats.org/officeDocument/2006/relationships" xmlns:p="http://schemas.openxmlformats.org/presentationml/2006/main">
   <p:cSld>
     <p:spTree>
